--- a/Documents/Maquettage/Diaporama/Maquette_Module_Diffusion.pptx
+++ b/Documents/Maquettage/Diaporama/Maquette_Module_Diffusion.pptx
@@ -114,13 +114,8 @@
 </file>
 
 <file path=ppt/slideLayouts/slideLayout1.xml><?xml version="1.0" encoding="utf-8"?>
-<p:sldLayout xmlns:a="http://schemas.openxmlformats.org/drawingml/2006/main" xmlns:r="http://schemas.openxmlformats.org/officeDocument/2006/relationships" xmlns:p="http://schemas.openxmlformats.org/presentationml/2006/main" showMasterSp="0" type="title" preserve="1">
+<p:sldLayout xmlns:a="http://schemas.openxmlformats.org/drawingml/2006/main" xmlns:r="http://schemas.openxmlformats.org/officeDocument/2006/relationships" xmlns:p="http://schemas.openxmlformats.org/presentationml/2006/main" type="title" preserve="1">
   <p:cSld name="Diapositive de titre">
-    <p:bg>
-      <p:bgRef idx="1003">
-        <a:schemeClr val="bg1"/>
-      </p:bgRef>
-    </p:bg>
     <p:spTree>
       <p:nvGrpSpPr>
         <p:cNvPr id="1" name=""/>
@@ -307,7 +302,8 @@
           <a:p>
             <a:fld id="{8D921D75-0754-4B7A-BC3C-07DAD6D5CF05}" type="datetimeFigureOut">
               <a:rPr lang="fr-FR" smtClean="0"/>
-              <a:t>10/03/2016</a:t>
+              <a:pPr/>
+              <a:t>26/07/2016</a:t>
             </a:fld>
             <a:endParaRPr lang="fr-FR"/>
           </a:p>
@@ -359,6 +355,7 @@
           <a:p>
             <a:fld id="{0A63D00E-60E2-4520-B05F-180F5EAD82DF}" type="slidenum">
               <a:rPr lang="fr-FR" smtClean="0"/>
+              <a:pPr/>
               <a:t>‹N°›</a:t>
             </a:fld>
             <a:endParaRPr lang="fr-FR"/>
@@ -660,7 +657,8 @@
           <a:p>
             <a:fld id="{8D921D75-0754-4B7A-BC3C-07DAD6D5CF05}" type="datetimeFigureOut">
               <a:rPr lang="fr-FR" smtClean="0"/>
-              <a:t>10/03/2016</a:t>
+              <a:pPr/>
+              <a:t>26/07/2016</a:t>
             </a:fld>
             <a:endParaRPr lang="fr-FR"/>
           </a:p>
@@ -702,6 +700,7 @@
           <a:p>
             <a:fld id="{0A63D00E-60E2-4520-B05F-180F5EAD82DF}" type="slidenum">
               <a:rPr lang="fr-FR" smtClean="0"/>
+              <a:pPr/>
               <a:t>‹N°›</a:t>
             </a:fld>
             <a:endParaRPr lang="fr-FR"/>
@@ -835,7 +834,8 @@
           <a:p>
             <a:fld id="{8D921D75-0754-4B7A-BC3C-07DAD6D5CF05}" type="datetimeFigureOut">
               <a:rPr lang="fr-FR" smtClean="0"/>
-              <a:t>10/03/2016</a:t>
+              <a:pPr/>
+              <a:t>26/07/2016</a:t>
             </a:fld>
             <a:endParaRPr lang="fr-FR"/>
           </a:p>
@@ -877,6 +877,7 @@
           <a:p>
             <a:fld id="{0A63D00E-60E2-4520-B05F-180F5EAD82DF}" type="slidenum">
               <a:rPr lang="fr-FR" smtClean="0"/>
+              <a:pPr/>
               <a:t>‹N°›</a:t>
             </a:fld>
             <a:endParaRPr lang="fr-FR"/>
@@ -948,7 +949,8 @@
           <a:p>
             <a:fld id="{8D921D75-0754-4B7A-BC3C-07DAD6D5CF05}" type="datetimeFigureOut">
               <a:rPr lang="fr-FR" smtClean="0"/>
-              <a:t>10/03/2016</a:t>
+              <a:pPr/>
+              <a:t>26/07/2016</a:t>
             </a:fld>
             <a:endParaRPr lang="fr-FR"/>
           </a:p>
@@ -990,6 +992,7 @@
           <a:p>
             <a:fld id="{0A63D00E-60E2-4520-B05F-180F5EAD82DF}" type="slidenum">
               <a:rPr lang="fr-FR" smtClean="0"/>
+              <a:pPr/>
               <a:t>‹N°›</a:t>
             </a:fld>
             <a:endParaRPr lang="fr-FR"/>
@@ -1062,13 +1065,8 @@
 </file>
 
 <file path=ppt/slideLayouts/slideLayout3.xml><?xml version="1.0" encoding="utf-8"?>
-<p:sldLayout xmlns:a="http://schemas.openxmlformats.org/drawingml/2006/main" xmlns:r="http://schemas.openxmlformats.org/officeDocument/2006/relationships" xmlns:p="http://schemas.openxmlformats.org/presentationml/2006/main" showMasterSp="0" type="secHead" preserve="1">
+<p:sldLayout xmlns:a="http://schemas.openxmlformats.org/drawingml/2006/main" xmlns:r="http://schemas.openxmlformats.org/officeDocument/2006/relationships" xmlns:p="http://schemas.openxmlformats.org/presentationml/2006/main" type="secHead" preserve="1">
   <p:cSld name="Titre de section">
-    <p:bg>
-      <p:bgRef idx="1003">
-        <a:schemeClr val="bg1"/>
-      </p:bgRef>
-    </p:bg>
     <p:spTree>
       <p:nvGrpSpPr>
         <p:cNvPr id="1" name=""/>
@@ -1306,7 +1304,8 @@
           <a:p>
             <a:fld id="{8D921D75-0754-4B7A-BC3C-07DAD6D5CF05}" type="datetimeFigureOut">
               <a:rPr lang="fr-FR" smtClean="0"/>
-              <a:t>10/03/2016</a:t>
+              <a:pPr/>
+              <a:t>26/07/2016</a:t>
             </a:fld>
             <a:endParaRPr lang="fr-FR"/>
           </a:p>
@@ -1500,6 +1499,7 @@
           <a:p>
             <a:fld id="{0A63D00E-60E2-4520-B05F-180F5EAD82DF}" type="slidenum">
               <a:rPr lang="fr-FR" smtClean="0"/>
+              <a:pPr/>
               <a:t>‹N°›</a:t>
             </a:fld>
             <a:endParaRPr lang="fr-FR"/>
@@ -1571,7 +1571,8 @@
           <a:p>
             <a:fld id="{8D921D75-0754-4B7A-BC3C-07DAD6D5CF05}" type="datetimeFigureOut">
               <a:rPr lang="fr-FR" smtClean="0"/>
-              <a:t>10/03/2016</a:t>
+              <a:pPr/>
+              <a:t>26/07/2016</a:t>
             </a:fld>
             <a:endParaRPr lang="fr-FR"/>
           </a:p>
@@ -1613,6 +1614,7 @@
           <a:p>
             <a:fld id="{0A63D00E-60E2-4520-B05F-180F5EAD82DF}" type="slidenum">
               <a:rPr lang="fr-FR" smtClean="0"/>
+              <a:pPr/>
               <a:t>‹N°›</a:t>
             </a:fld>
             <a:endParaRPr lang="fr-FR"/>
@@ -1933,7 +1935,8 @@
           <a:p>
             <a:fld id="{8D921D75-0754-4B7A-BC3C-07DAD6D5CF05}" type="datetimeFigureOut">
               <a:rPr lang="fr-FR" smtClean="0"/>
-              <a:t>10/03/2016</a:t>
+              <a:pPr/>
+              <a:t>26/07/2016</a:t>
             </a:fld>
             <a:endParaRPr lang="fr-FR"/>
           </a:p>
@@ -1975,6 +1978,7 @@
           <a:p>
             <a:fld id="{0A63D00E-60E2-4520-B05F-180F5EAD82DF}" type="slidenum">
               <a:rPr lang="fr-FR" smtClean="0"/>
+              <a:pPr/>
               <a:t>‹N°›</a:t>
             </a:fld>
             <a:endParaRPr lang="fr-FR"/>
@@ -2160,7 +2164,8 @@
           <a:p>
             <a:fld id="{8D921D75-0754-4B7A-BC3C-07DAD6D5CF05}" type="datetimeFigureOut">
               <a:rPr lang="fr-FR" smtClean="0"/>
-              <a:t>10/03/2016</a:t>
+              <a:pPr/>
+              <a:t>26/07/2016</a:t>
             </a:fld>
             <a:endParaRPr lang="fr-FR"/>
           </a:p>
@@ -2202,6 +2207,7 @@
           <a:p>
             <a:fld id="{0A63D00E-60E2-4520-B05F-180F5EAD82DF}" type="slidenum">
               <a:rPr lang="fr-FR" smtClean="0"/>
+              <a:pPr/>
               <a:t>‹N°›</a:t>
             </a:fld>
             <a:endParaRPr lang="fr-FR"/>
@@ -2250,7 +2256,8 @@
           <a:p>
             <a:fld id="{8D921D75-0754-4B7A-BC3C-07DAD6D5CF05}" type="datetimeFigureOut">
               <a:rPr lang="fr-FR" smtClean="0"/>
-              <a:t>10/03/2016</a:t>
+              <a:pPr/>
+              <a:t>26/07/2016</a:t>
             </a:fld>
             <a:endParaRPr lang="fr-FR"/>
           </a:p>
@@ -2292,6 +2299,7 @@
           <a:p>
             <a:fld id="{0A63D00E-60E2-4520-B05F-180F5EAD82DF}" type="slidenum">
               <a:rPr lang="fr-FR" smtClean="0"/>
+              <a:pPr/>
               <a:t>‹N°›</a:t>
             </a:fld>
             <a:endParaRPr lang="fr-FR"/>
@@ -2517,7 +2525,8 @@
           <a:p>
             <a:fld id="{8D921D75-0754-4B7A-BC3C-07DAD6D5CF05}" type="datetimeFigureOut">
               <a:rPr lang="fr-FR" smtClean="0"/>
-              <a:t>10/03/2016</a:t>
+              <a:pPr/>
+              <a:t>26/07/2016</a:t>
             </a:fld>
             <a:endParaRPr lang="fr-FR"/>
           </a:p>
@@ -2559,6 +2568,7 @@
           <a:p>
             <a:fld id="{0A63D00E-60E2-4520-B05F-180F5EAD82DF}" type="slidenum">
               <a:rPr lang="fr-FR" smtClean="0"/>
+              <a:pPr/>
               <a:t>‹N°›</a:t>
             </a:fld>
             <a:endParaRPr lang="fr-FR"/>
@@ -2745,7 +2755,8 @@
           <a:p>
             <a:fld id="{8D921D75-0754-4B7A-BC3C-07DAD6D5CF05}" type="datetimeFigureOut">
               <a:rPr lang="fr-FR" smtClean="0"/>
-              <a:t>10/03/2016</a:t>
+              <a:pPr/>
+              <a:t>26/07/2016</a:t>
             </a:fld>
             <a:endParaRPr lang="fr-FR"/>
           </a:p>
@@ -2797,6 +2808,7 @@
           <a:p>
             <a:fld id="{0A63D00E-60E2-4520-B05F-180F5EAD82DF}" type="slidenum">
               <a:rPr lang="fr-FR" smtClean="0"/>
+              <a:pPr/>
               <a:t>‹N°›</a:t>
             </a:fld>
             <a:endParaRPr lang="fr-FR"/>
@@ -3244,7 +3256,8 @@
           <a:p>
             <a:fld id="{8D921D75-0754-4B7A-BC3C-07DAD6D5CF05}" type="datetimeFigureOut">
               <a:rPr lang="fr-FR" smtClean="0"/>
-              <a:t>10/03/2016</a:t>
+              <a:pPr/>
+              <a:t>26/07/2016</a:t>
             </a:fld>
             <a:endParaRPr lang="fr-FR"/>
           </a:p>
@@ -3326,6 +3339,7 @@
           <a:p>
             <a:fld id="{0A63D00E-60E2-4520-B05F-180F5EAD82DF}" type="slidenum">
               <a:rPr lang="fr-FR" smtClean="0"/>
+              <a:pPr/>
               <a:t>‹N°›</a:t>
             </a:fld>
             <a:endParaRPr lang="fr-FR"/>
@@ -3677,7 +3691,16 @@
             <p:ph type="ctrTitle"/>
           </p:nvPr>
         </p:nvSpPr>
-        <p:spPr/>
+        <p:spPr>
+          <a:solidFill>
+            <a:schemeClr val="tx1"/>
+          </a:solidFill>
+          <a:ln>
+            <a:solidFill>
+              <a:schemeClr val="tx1"/>
+            </a:solidFill>
+          </a:ln>
+        </p:spPr>
         <p:txBody>
           <a:bodyPr/>
           <a:lstStyle/>
@@ -3738,56 +3761,27 @@
           </a:p>
         </p:txBody>
       </p:sp>
-      <p:sp>
-        <p:nvSpPr>
-          <p:cNvPr id="5" name="Espace réservé du contenu 4"/>
-          <p:cNvSpPr>
-            <a:spLocks noGrp="1"/>
-          </p:cNvSpPr>
-          <p:nvPr>
-            <p:ph sz="quarter" idx="1"/>
-          </p:nvPr>
-        </p:nvSpPr>
-        <p:spPr/>
-        <p:txBody>
-          <a:bodyPr/>
-          <a:lstStyle/>
-          <a:p>
-            <a:endParaRPr lang="fr-FR"/>
-          </a:p>
-        </p:txBody>
-      </p:sp>
       <p:pic>
         <p:nvPicPr>
-          <p:cNvPr id="1027" name="Picture 3"/>
+          <p:cNvPr id="6" name="Espace réservé du contenu 5" descr="Accueil.PNG"/>
           <p:cNvPicPr>
-            <a:picLocks noChangeAspect="1" noChangeArrowheads="1"/>
+            <a:picLocks noGrp="1" noChangeAspect="1"/>
           </p:cNvPicPr>
-          <p:nvPr/>
+          <p:nvPr>
+            <p:ph sz="quarter" idx="1"/>
+          </p:nvPr>
         </p:nvPicPr>
         <p:blipFill>
           <a:blip r:embed="rId2"/>
-          <a:srcRect/>
           <a:stretch>
             <a:fillRect/>
           </a:stretch>
         </p:blipFill>
-        <p:spPr bwMode="auto">
-          <a:xfrm>
-            <a:off x="357158" y="1285860"/>
-            <a:ext cx="8577284" cy="4731789"/>
-          </a:xfrm>
-          <a:prstGeom prst="rect">
-            <a:avLst/>
-          </a:prstGeom>
-          <a:noFill/>
-          <a:ln w="9525">
-            <a:noFill/>
-            <a:miter lim="800000"/>
-            <a:headEnd/>
-            <a:tailEnd/>
-          </a:ln>
-          <a:effectLst/>
+        <p:spPr>
+          <a:xfrm>
+            <a:off x="1219447" y="1447800"/>
+            <a:ext cx="7162306" cy="4572000"/>
+          </a:xfrm>
         </p:spPr>
       </p:pic>
     </p:spTree>
@@ -3838,56 +3832,27 @@
           </a:p>
         </p:txBody>
       </p:sp>
-      <p:sp>
-        <p:nvSpPr>
-          <p:cNvPr id="3" name="Espace réservé du contenu 2"/>
-          <p:cNvSpPr>
-            <a:spLocks noGrp="1"/>
-          </p:cNvSpPr>
-          <p:nvPr>
-            <p:ph sz="quarter" idx="1"/>
-          </p:nvPr>
-        </p:nvSpPr>
-        <p:spPr/>
-        <p:txBody>
-          <a:bodyPr/>
-          <a:lstStyle/>
-          <a:p>
-            <a:endParaRPr lang="fr-FR"/>
-          </a:p>
-        </p:txBody>
-      </p:sp>
       <p:pic>
         <p:nvPicPr>
-          <p:cNvPr id="2050" name="Picture 2"/>
+          <p:cNvPr id="5" name="Espace réservé du contenu 4" descr="InfoExpostion.PNG"/>
           <p:cNvPicPr>
-            <a:picLocks noChangeAspect="1" noChangeArrowheads="1"/>
+            <a:picLocks noGrp="1" noChangeAspect="1"/>
           </p:cNvPicPr>
-          <p:nvPr/>
+          <p:nvPr>
+            <p:ph sz="quarter" idx="1"/>
+          </p:nvPr>
         </p:nvPicPr>
         <p:blipFill>
           <a:blip r:embed="rId2"/>
-          <a:srcRect/>
           <a:stretch>
             <a:fillRect/>
           </a:stretch>
         </p:blipFill>
-        <p:spPr bwMode="auto">
-          <a:xfrm>
-            <a:off x="500034" y="1428736"/>
-            <a:ext cx="8405818" cy="4638686"/>
-          </a:xfrm>
-          <a:prstGeom prst="rect">
-            <a:avLst/>
-          </a:prstGeom>
-          <a:noFill/>
-          <a:ln w="9525">
-            <a:noFill/>
-            <a:miter lim="800000"/>
-            <a:headEnd/>
-            <a:tailEnd/>
-          </a:ln>
-          <a:effectLst/>
+        <p:spPr>
+          <a:xfrm>
+            <a:off x="1272048" y="1447800"/>
+            <a:ext cx="7057103" cy="4572000"/>
+          </a:xfrm>
         </p:spPr>
       </p:pic>
     </p:spTree>
@@ -3938,56 +3903,27 @@
           </a:p>
         </p:txBody>
       </p:sp>
-      <p:sp>
-        <p:nvSpPr>
-          <p:cNvPr id="3" name="Espace réservé du contenu 2"/>
-          <p:cNvSpPr>
-            <a:spLocks noGrp="1"/>
-          </p:cNvSpPr>
-          <p:nvPr>
-            <p:ph sz="quarter" idx="1"/>
-          </p:nvPr>
-        </p:nvSpPr>
-        <p:spPr/>
-        <p:txBody>
-          <a:bodyPr/>
-          <a:lstStyle/>
-          <a:p>
-            <a:endParaRPr lang="fr-FR" dirty="0"/>
-          </a:p>
-        </p:txBody>
-      </p:sp>
       <p:pic>
         <p:nvPicPr>
-          <p:cNvPr id="3074" name="Picture 2"/>
+          <p:cNvPr id="5" name="Espace réservé du contenu 4" descr="OeuvreList.PNG"/>
           <p:cNvPicPr>
-            <a:picLocks noChangeAspect="1" noChangeArrowheads="1"/>
+            <a:picLocks noGrp="1" noChangeAspect="1"/>
           </p:cNvPicPr>
-          <p:nvPr/>
+          <p:nvPr>
+            <p:ph sz="quarter" idx="1"/>
+          </p:nvPr>
         </p:nvPicPr>
         <p:blipFill>
           <a:blip r:embed="rId2"/>
-          <a:srcRect/>
           <a:stretch>
             <a:fillRect/>
           </a:stretch>
         </p:blipFill>
-        <p:spPr bwMode="auto">
-          <a:xfrm>
-            <a:off x="642910" y="1357298"/>
-            <a:ext cx="8215338" cy="4714908"/>
-          </a:xfrm>
-          <a:prstGeom prst="rect">
-            <a:avLst/>
-          </a:prstGeom>
-          <a:noFill/>
-          <a:ln w="9525">
-            <a:noFill/>
-            <a:miter lim="800000"/>
-            <a:headEnd/>
-            <a:tailEnd/>
-          </a:ln>
-          <a:effectLst/>
+        <p:spPr>
+          <a:xfrm>
+            <a:off x="1244183" y="1447800"/>
+            <a:ext cx="7112833" cy="4572000"/>
+          </a:xfrm>
         </p:spPr>
       </p:pic>
     </p:spTree>
@@ -4038,56 +3974,27 @@
           </a:p>
         </p:txBody>
       </p:sp>
-      <p:sp>
-        <p:nvSpPr>
-          <p:cNvPr id="3" name="Espace réservé du contenu 2"/>
-          <p:cNvSpPr>
-            <a:spLocks noGrp="1"/>
-          </p:cNvSpPr>
-          <p:nvPr>
-            <p:ph sz="quarter" idx="1"/>
-          </p:nvPr>
-        </p:nvSpPr>
-        <p:spPr/>
-        <p:txBody>
-          <a:bodyPr/>
-          <a:lstStyle/>
-          <a:p>
-            <a:endParaRPr lang="fr-FR"/>
-          </a:p>
-        </p:txBody>
-      </p:sp>
       <p:pic>
         <p:nvPicPr>
-          <p:cNvPr id="4098" name="Picture 2"/>
+          <p:cNvPr id="5" name="Espace réservé du contenu 4" descr="InfoOeuvre.PNG"/>
           <p:cNvPicPr>
-            <a:picLocks noChangeAspect="1" noChangeArrowheads="1"/>
+            <a:picLocks noGrp="1" noChangeAspect="1"/>
           </p:cNvPicPr>
-          <p:nvPr/>
+          <p:nvPr>
+            <p:ph sz="quarter" idx="1"/>
+          </p:nvPr>
         </p:nvPicPr>
         <p:blipFill>
           <a:blip r:embed="rId2"/>
-          <a:srcRect/>
           <a:stretch>
             <a:fillRect/>
           </a:stretch>
         </p:blipFill>
-        <p:spPr bwMode="auto">
-          <a:xfrm>
-            <a:off x="357158" y="1357298"/>
-            <a:ext cx="8391552" cy="4997910"/>
-          </a:xfrm>
-          <a:prstGeom prst="rect">
-            <a:avLst/>
-          </a:prstGeom>
-          <a:noFill/>
-          <a:ln w="9525">
-            <a:noFill/>
-            <a:miter lim="800000"/>
-            <a:headEnd/>
-            <a:tailEnd/>
-          </a:ln>
-          <a:effectLst/>
+        <p:spPr>
+          <a:xfrm>
+            <a:off x="1256183" y="1447800"/>
+            <a:ext cx="7088833" cy="4572000"/>
+          </a:xfrm>
         </p:spPr>
       </p:pic>
     </p:spTree>
@@ -4140,9 +4047,9 @@
       </p:sp>
       <p:pic>
         <p:nvPicPr>
-          <p:cNvPr id="5122" name="Picture 2"/>
+          <p:cNvPr id="5" name="Espace réservé du contenu 4" descr="Exposition"/>
           <p:cNvPicPr>
-            <a:picLocks noGrp="1" noChangeAspect="1" noChangeArrowheads="1"/>
+            <a:picLocks noGrp="1" noChangeAspect="1"/>
           </p:cNvPicPr>
           <p:nvPr>
             <p:ph sz="quarter" idx="1"/>
@@ -4150,27 +4057,15 @@
         </p:nvPicPr>
         <p:blipFill>
           <a:blip r:embed="rId2"/>
-          <a:srcRect/>
           <a:stretch>
             <a:fillRect/>
           </a:stretch>
         </p:blipFill>
-        <p:spPr bwMode="auto">
-          <a:xfrm>
-            <a:off x="914400" y="1608127"/>
-            <a:ext cx="7772400" cy="4251346"/>
-          </a:xfrm>
-          <a:prstGeom prst="rect">
-            <a:avLst/>
-          </a:prstGeom>
-          <a:noFill/>
-          <a:ln w="9525">
-            <a:noFill/>
-            <a:miter lim="800000"/>
-            <a:headEnd/>
-            <a:tailEnd/>
-          </a:ln>
-          <a:effectLst/>
+        <p:spPr>
+          <a:xfrm>
+            <a:off x="1078820" y="1447800"/>
+            <a:ext cx="7443560" cy="4572000"/>
+          </a:xfrm>
         </p:spPr>
       </p:pic>
     </p:spTree>
@@ -4223,9 +4118,9 @@
       </p:sp>
       <p:pic>
         <p:nvPicPr>
-          <p:cNvPr id="6146" name="Picture 2"/>
+          <p:cNvPr id="5" name="Espace réservé du contenu 4" descr="PositionSalle.PNG"/>
           <p:cNvPicPr>
-            <a:picLocks noGrp="1" noChangeAspect="1" noChangeArrowheads="1"/>
+            <a:picLocks noGrp="1" noChangeAspect="1"/>
           </p:cNvPicPr>
           <p:nvPr>
             <p:ph sz="quarter" idx="1"/>
@@ -4233,27 +4128,15 @@
         </p:nvPicPr>
         <p:blipFill>
           <a:blip r:embed="rId2"/>
-          <a:srcRect/>
           <a:stretch>
             <a:fillRect/>
           </a:stretch>
         </p:blipFill>
-        <p:spPr bwMode="auto">
-          <a:xfrm>
-            <a:off x="914400" y="1570006"/>
-            <a:ext cx="7772400" cy="4327587"/>
-          </a:xfrm>
-          <a:prstGeom prst="rect">
-            <a:avLst/>
-          </a:prstGeom>
-          <a:noFill/>
-          <a:ln w="9525">
-            <a:noFill/>
-            <a:miter lim="800000"/>
-            <a:headEnd/>
-            <a:tailEnd/>
-          </a:ln>
-          <a:effectLst/>
+        <p:spPr>
+          <a:xfrm>
+            <a:off x="1245008" y="1447800"/>
+            <a:ext cx="7111184" cy="4572000"/>
+          </a:xfrm>
         </p:spPr>
       </p:pic>
     </p:spTree>
